--- a/Paradigma Lógico Apresentação.pptx
+++ b/Paradigma Lógico Apresentação.pptx
@@ -208,7 +208,7 @@
           <a:p>
             <a:fld id="{A539F72E-7057-4C72-BFEF-126B8A67AB03}" type="datetimeFigureOut">
               <a:rPr lang="pt-BR" smtClean="0"/>
-              <a:t>09/03/2017</a:t>
+              <a:t>10/03/2017</a:t>
             </a:fld>
             <a:endParaRPr lang="pt-BR"/>
           </a:p>
@@ -603,6 +603,93 @@
 </p:notes>
 </file>
 
+<file path=ppt/notesSlides/notesSlide10.xml><?xml version="1.0" encoding="utf-8"?>
+<p:notes xmlns:a="http://schemas.openxmlformats.org/drawingml/2006/main" xmlns:r="http://schemas.openxmlformats.org/officeDocument/2006/relationships" xmlns:p="http://schemas.openxmlformats.org/presentationml/2006/main">
+  <p:cSld>
+    <p:spTree>
+      <p:nvGrpSpPr>
+        <p:cNvPr id="1" name=""/>
+        <p:cNvGrpSpPr/>
+        <p:nvPr/>
+      </p:nvGrpSpPr>
+      <p:grpSpPr>
+        <a:xfrm>
+          <a:off x="0" y="0"/>
+          <a:ext cx="0" cy="0"/>
+          <a:chOff x="0" y="0"/>
+          <a:chExt cx="0" cy="0"/>
+        </a:xfrm>
+      </p:grpSpPr>
+      <p:sp>
+        <p:nvSpPr>
+          <p:cNvPr id="2" name="Espaço Reservado para Imagem de Slide 1"/>
+          <p:cNvSpPr>
+            <a:spLocks noGrp="1" noRot="1" noChangeAspect="1"/>
+          </p:cNvSpPr>
+          <p:nvPr>
+            <p:ph type="sldImg"/>
+          </p:nvPr>
+        </p:nvSpPr>
+        <p:spPr/>
+      </p:sp>
+      <p:sp>
+        <p:nvSpPr>
+          <p:cNvPr id="3" name="Espaço Reservado para Anotações 2"/>
+          <p:cNvSpPr>
+            <a:spLocks noGrp="1"/>
+          </p:cNvSpPr>
+          <p:nvPr>
+            <p:ph type="body" idx="1"/>
+          </p:nvPr>
+        </p:nvSpPr>
+        <p:spPr/>
+        <p:txBody>
+          <a:bodyPr/>
+          <a:lstStyle/>
+          <a:p>
+            <a:r>
+              <a:rPr lang="pt-BR" dirty="0"/>
+              <a:t>Aplicação</a:t>
+            </a:r>
+          </a:p>
+        </p:txBody>
+      </p:sp>
+      <p:sp>
+        <p:nvSpPr>
+          <p:cNvPr id="4" name="Espaço Reservado para Número de Slide 3"/>
+          <p:cNvSpPr>
+            <a:spLocks noGrp="1"/>
+          </p:cNvSpPr>
+          <p:nvPr>
+            <p:ph type="sldNum" sz="quarter" idx="10"/>
+          </p:nvPr>
+        </p:nvSpPr>
+        <p:spPr/>
+        <p:txBody>
+          <a:bodyPr/>
+          <a:lstStyle/>
+          <a:p>
+            <a:fld id="{AC006F96-C575-4684-8829-D49A837EA896}" type="slidenum">
+              <a:rPr lang="pt-BR" smtClean="0"/>
+              <a:t>10</a:t>
+            </a:fld>
+            <a:endParaRPr lang="pt-BR"/>
+          </a:p>
+        </p:txBody>
+      </p:sp>
+    </p:spTree>
+    <p:extLst>
+      <p:ext uri="{BB962C8B-B14F-4D97-AF65-F5344CB8AC3E}">
+        <p14:creationId xmlns:p14="http://schemas.microsoft.com/office/powerpoint/2010/main" val="642442694"/>
+      </p:ext>
+    </p:extLst>
+  </p:cSld>
+  <p:clrMapOvr>
+    <a:masterClrMapping/>
+  </p:clrMapOvr>
+</p:notes>
+</file>
+
 <file path=ppt/notesSlides/notesSlide2.xml><?xml version="1.0" encoding="utf-8"?>
 <p:notes xmlns:a="http://schemas.openxmlformats.org/drawingml/2006/main" xmlns:r="http://schemas.openxmlformats.org/officeDocument/2006/relationships" xmlns:p="http://schemas.openxmlformats.org/presentationml/2006/main">
   <p:cSld>
@@ -845,10 +932,10 @@
           <a:lstStyle/>
           <a:p>
             <a:r>
-              <a:rPr lang="pt-BR" noProof="0"/>
+              <a:rPr lang="pt-BR" noProof="0" dirty="0"/>
               <a:t>Introdução ao paradigma Lógico</a:t>
             </a:r>
-            <a:endParaRPr lang="pt-BR"/>
+            <a:endParaRPr lang="pt-BR" dirty="0"/>
           </a:p>
         </p:txBody>
       </p:sp>
@@ -879,6 +966,483 @@
     <p:extLst>
       <p:ext uri="{BB962C8B-B14F-4D97-AF65-F5344CB8AC3E}">
         <p14:creationId xmlns:p14="http://schemas.microsoft.com/office/powerpoint/2010/main" val="2009670702"/>
+      </p:ext>
+    </p:extLst>
+  </p:cSld>
+  <p:clrMapOvr>
+    <a:masterClrMapping/>
+  </p:clrMapOvr>
+</p:notes>
+</file>
+
+<file path=ppt/notesSlides/notesSlide5.xml><?xml version="1.0" encoding="utf-8"?>
+<p:notes xmlns:a="http://schemas.openxmlformats.org/drawingml/2006/main" xmlns:r="http://schemas.openxmlformats.org/officeDocument/2006/relationships" xmlns:p="http://schemas.openxmlformats.org/presentationml/2006/main">
+  <p:cSld>
+    <p:spTree>
+      <p:nvGrpSpPr>
+        <p:cNvPr id="1" name=""/>
+        <p:cNvGrpSpPr/>
+        <p:nvPr/>
+      </p:nvGrpSpPr>
+      <p:grpSpPr>
+        <a:xfrm>
+          <a:off x="0" y="0"/>
+          <a:ext cx="0" cy="0"/>
+          <a:chOff x="0" y="0"/>
+          <a:chExt cx="0" cy="0"/>
+        </a:xfrm>
+      </p:grpSpPr>
+      <p:sp>
+        <p:nvSpPr>
+          <p:cNvPr id="2" name="Espaço Reservado para Imagem de Slide 1"/>
+          <p:cNvSpPr>
+            <a:spLocks noGrp="1" noRot="1" noChangeAspect="1"/>
+          </p:cNvSpPr>
+          <p:nvPr>
+            <p:ph type="sldImg"/>
+          </p:nvPr>
+        </p:nvSpPr>
+        <p:spPr/>
+      </p:sp>
+      <p:sp>
+        <p:nvSpPr>
+          <p:cNvPr id="3" name="Espaço Reservado para Anotações 2"/>
+          <p:cNvSpPr>
+            <a:spLocks noGrp="1"/>
+          </p:cNvSpPr>
+          <p:nvPr>
+            <p:ph type="body" idx="1"/>
+          </p:nvPr>
+        </p:nvSpPr>
+        <p:spPr/>
+        <p:txBody>
+          <a:bodyPr/>
+          <a:lstStyle/>
+          <a:p>
+            <a:pPr marL="0" marR="0" lvl="0" indent="0" algn="l" defTabSz="914400" rtl="0" eaLnBrk="1" fontAlgn="auto" latinLnBrk="0" hangingPunct="1">
+              <a:lnSpc>
+                <a:spcPct val="100000"/>
+              </a:lnSpc>
+              <a:spcBef>
+                <a:spcPts val="0"/>
+              </a:spcBef>
+              <a:spcAft>
+                <a:spcPts val="0"/>
+              </a:spcAft>
+              <a:buClrTx/>
+              <a:buSzTx/>
+              <a:buFontTx/>
+              <a:buNone/>
+              <a:tabLst/>
+              <a:defRPr/>
+            </a:pPr>
+            <a:r>
+              <a:rPr lang="pt-BR" noProof="0" dirty="0"/>
+              <a:t>Introdução ao paradigma Lógico</a:t>
+            </a:r>
+            <a:endParaRPr lang="pt-BR" dirty="0"/>
+          </a:p>
+          <a:p>
+            <a:endParaRPr lang="pt-BR" dirty="0"/>
+          </a:p>
+        </p:txBody>
+      </p:sp>
+      <p:sp>
+        <p:nvSpPr>
+          <p:cNvPr id="4" name="Espaço Reservado para Número de Slide 3"/>
+          <p:cNvSpPr>
+            <a:spLocks noGrp="1"/>
+          </p:cNvSpPr>
+          <p:nvPr>
+            <p:ph type="sldNum" sz="quarter" idx="10"/>
+          </p:nvPr>
+        </p:nvSpPr>
+        <p:spPr/>
+        <p:txBody>
+          <a:bodyPr/>
+          <a:lstStyle/>
+          <a:p>
+            <a:fld id="{AC006F96-C575-4684-8829-D49A837EA896}" type="slidenum">
+              <a:rPr lang="pt-BR" smtClean="0"/>
+              <a:t>5</a:t>
+            </a:fld>
+            <a:endParaRPr lang="pt-BR"/>
+          </a:p>
+        </p:txBody>
+      </p:sp>
+    </p:spTree>
+    <p:extLst>
+      <p:ext uri="{BB962C8B-B14F-4D97-AF65-F5344CB8AC3E}">
+        <p14:creationId xmlns:p14="http://schemas.microsoft.com/office/powerpoint/2010/main" val="869416839"/>
+      </p:ext>
+    </p:extLst>
+  </p:cSld>
+  <p:clrMapOvr>
+    <a:masterClrMapping/>
+  </p:clrMapOvr>
+</p:notes>
+</file>
+
+<file path=ppt/notesSlides/notesSlide6.xml><?xml version="1.0" encoding="utf-8"?>
+<p:notes xmlns:a="http://schemas.openxmlformats.org/drawingml/2006/main" xmlns:r="http://schemas.openxmlformats.org/officeDocument/2006/relationships" xmlns:p="http://schemas.openxmlformats.org/presentationml/2006/main">
+  <p:cSld>
+    <p:spTree>
+      <p:nvGrpSpPr>
+        <p:cNvPr id="1" name=""/>
+        <p:cNvGrpSpPr/>
+        <p:nvPr/>
+      </p:nvGrpSpPr>
+      <p:grpSpPr>
+        <a:xfrm>
+          <a:off x="0" y="0"/>
+          <a:ext cx="0" cy="0"/>
+          <a:chOff x="0" y="0"/>
+          <a:chExt cx="0" cy="0"/>
+        </a:xfrm>
+      </p:grpSpPr>
+      <p:sp>
+        <p:nvSpPr>
+          <p:cNvPr id="2" name="Espaço Reservado para Imagem de Slide 1"/>
+          <p:cNvSpPr>
+            <a:spLocks noGrp="1" noRot="1" noChangeAspect="1"/>
+          </p:cNvSpPr>
+          <p:nvPr>
+            <p:ph type="sldImg"/>
+          </p:nvPr>
+        </p:nvSpPr>
+        <p:spPr/>
+      </p:sp>
+      <p:sp>
+        <p:nvSpPr>
+          <p:cNvPr id="3" name="Espaço Reservado para Anotações 2"/>
+          <p:cNvSpPr>
+            <a:spLocks noGrp="1"/>
+          </p:cNvSpPr>
+          <p:nvPr>
+            <p:ph type="body" idx="1"/>
+          </p:nvPr>
+        </p:nvSpPr>
+        <p:spPr/>
+        <p:txBody>
+          <a:bodyPr/>
+          <a:lstStyle/>
+          <a:p>
+            <a:pPr marL="0" marR="0" lvl="0" indent="0" algn="l" defTabSz="914400" rtl="0" eaLnBrk="1" fontAlgn="auto" latinLnBrk="0" hangingPunct="1">
+              <a:lnSpc>
+                <a:spcPct val="100000"/>
+              </a:lnSpc>
+              <a:spcBef>
+                <a:spcPts val="0"/>
+              </a:spcBef>
+              <a:spcAft>
+                <a:spcPts val="0"/>
+              </a:spcAft>
+              <a:buClrTx/>
+              <a:buSzTx/>
+              <a:buFontTx/>
+              <a:buNone/>
+              <a:tabLst/>
+              <a:defRPr/>
+            </a:pPr>
+            <a:r>
+              <a:rPr lang="pt-BR" noProof="0" dirty="0"/>
+              <a:t>Introdução ao paradigma Lógico</a:t>
+            </a:r>
+            <a:endParaRPr lang="pt-BR" dirty="0"/>
+          </a:p>
+          <a:p>
+            <a:endParaRPr lang="pt-BR" dirty="0"/>
+          </a:p>
+        </p:txBody>
+      </p:sp>
+      <p:sp>
+        <p:nvSpPr>
+          <p:cNvPr id="4" name="Espaço Reservado para Número de Slide 3"/>
+          <p:cNvSpPr>
+            <a:spLocks noGrp="1"/>
+          </p:cNvSpPr>
+          <p:nvPr>
+            <p:ph type="sldNum" sz="quarter" idx="10"/>
+          </p:nvPr>
+        </p:nvSpPr>
+        <p:spPr/>
+        <p:txBody>
+          <a:bodyPr/>
+          <a:lstStyle/>
+          <a:p>
+            <a:fld id="{AC006F96-C575-4684-8829-D49A837EA896}" type="slidenum">
+              <a:rPr lang="pt-BR" smtClean="0"/>
+              <a:t>6</a:t>
+            </a:fld>
+            <a:endParaRPr lang="pt-BR"/>
+          </a:p>
+        </p:txBody>
+      </p:sp>
+    </p:spTree>
+    <p:extLst>
+      <p:ext uri="{BB962C8B-B14F-4D97-AF65-F5344CB8AC3E}">
+        <p14:creationId xmlns:p14="http://schemas.microsoft.com/office/powerpoint/2010/main" val="2455571844"/>
+      </p:ext>
+    </p:extLst>
+  </p:cSld>
+  <p:clrMapOvr>
+    <a:masterClrMapping/>
+  </p:clrMapOvr>
+</p:notes>
+</file>
+
+<file path=ppt/notesSlides/notesSlide7.xml><?xml version="1.0" encoding="utf-8"?>
+<p:notes xmlns:a="http://schemas.openxmlformats.org/drawingml/2006/main" xmlns:r="http://schemas.openxmlformats.org/officeDocument/2006/relationships" xmlns:p="http://schemas.openxmlformats.org/presentationml/2006/main">
+  <p:cSld>
+    <p:spTree>
+      <p:nvGrpSpPr>
+        <p:cNvPr id="1" name=""/>
+        <p:cNvGrpSpPr/>
+        <p:nvPr/>
+      </p:nvGrpSpPr>
+      <p:grpSpPr>
+        <a:xfrm>
+          <a:off x="0" y="0"/>
+          <a:ext cx="0" cy="0"/>
+          <a:chOff x="0" y="0"/>
+          <a:chExt cx="0" cy="0"/>
+        </a:xfrm>
+      </p:grpSpPr>
+      <p:sp>
+        <p:nvSpPr>
+          <p:cNvPr id="2" name="Espaço Reservado para Imagem de Slide 1"/>
+          <p:cNvSpPr>
+            <a:spLocks noGrp="1" noRot="1" noChangeAspect="1"/>
+          </p:cNvSpPr>
+          <p:nvPr>
+            <p:ph type="sldImg"/>
+          </p:nvPr>
+        </p:nvSpPr>
+        <p:spPr/>
+      </p:sp>
+      <p:sp>
+        <p:nvSpPr>
+          <p:cNvPr id="3" name="Espaço Reservado para Anotações 2"/>
+          <p:cNvSpPr>
+            <a:spLocks noGrp="1"/>
+          </p:cNvSpPr>
+          <p:nvPr>
+            <p:ph type="body" idx="1"/>
+          </p:nvPr>
+        </p:nvSpPr>
+        <p:spPr/>
+        <p:txBody>
+          <a:bodyPr/>
+          <a:lstStyle/>
+          <a:p>
+            <a:r>
+              <a:rPr lang="pt-BR" dirty="0"/>
+              <a:t>Prolog</a:t>
+            </a:r>
+          </a:p>
+        </p:txBody>
+      </p:sp>
+      <p:sp>
+        <p:nvSpPr>
+          <p:cNvPr id="4" name="Espaço Reservado para Número de Slide 3"/>
+          <p:cNvSpPr>
+            <a:spLocks noGrp="1"/>
+          </p:cNvSpPr>
+          <p:nvPr>
+            <p:ph type="sldNum" sz="quarter" idx="10"/>
+          </p:nvPr>
+        </p:nvSpPr>
+        <p:spPr/>
+        <p:txBody>
+          <a:bodyPr/>
+          <a:lstStyle/>
+          <a:p>
+            <a:fld id="{AC006F96-C575-4684-8829-D49A837EA896}" type="slidenum">
+              <a:rPr lang="pt-BR" smtClean="0"/>
+              <a:t>7</a:t>
+            </a:fld>
+            <a:endParaRPr lang="pt-BR"/>
+          </a:p>
+        </p:txBody>
+      </p:sp>
+    </p:spTree>
+    <p:extLst>
+      <p:ext uri="{BB962C8B-B14F-4D97-AF65-F5344CB8AC3E}">
+        <p14:creationId xmlns:p14="http://schemas.microsoft.com/office/powerpoint/2010/main" val="4102042438"/>
+      </p:ext>
+    </p:extLst>
+  </p:cSld>
+  <p:clrMapOvr>
+    <a:masterClrMapping/>
+  </p:clrMapOvr>
+</p:notes>
+</file>
+
+<file path=ppt/notesSlides/notesSlide8.xml><?xml version="1.0" encoding="utf-8"?>
+<p:notes xmlns:a="http://schemas.openxmlformats.org/drawingml/2006/main" xmlns:r="http://schemas.openxmlformats.org/officeDocument/2006/relationships" xmlns:p="http://schemas.openxmlformats.org/presentationml/2006/main">
+  <p:cSld>
+    <p:spTree>
+      <p:nvGrpSpPr>
+        <p:cNvPr id="1" name=""/>
+        <p:cNvGrpSpPr/>
+        <p:nvPr/>
+      </p:nvGrpSpPr>
+      <p:grpSpPr>
+        <a:xfrm>
+          <a:off x="0" y="0"/>
+          <a:ext cx="0" cy="0"/>
+          <a:chOff x="0" y="0"/>
+          <a:chExt cx="0" cy="0"/>
+        </a:xfrm>
+      </p:grpSpPr>
+      <p:sp>
+        <p:nvSpPr>
+          <p:cNvPr id="2" name="Espaço Reservado para Imagem de Slide 1"/>
+          <p:cNvSpPr>
+            <a:spLocks noGrp="1" noRot="1" noChangeAspect="1"/>
+          </p:cNvSpPr>
+          <p:nvPr>
+            <p:ph type="sldImg"/>
+          </p:nvPr>
+        </p:nvSpPr>
+        <p:spPr/>
+      </p:sp>
+      <p:sp>
+        <p:nvSpPr>
+          <p:cNvPr id="3" name="Espaço Reservado para Anotações 2"/>
+          <p:cNvSpPr>
+            <a:spLocks noGrp="1"/>
+          </p:cNvSpPr>
+          <p:nvPr>
+            <p:ph type="body" idx="1"/>
+          </p:nvPr>
+        </p:nvSpPr>
+        <p:spPr/>
+        <p:txBody>
+          <a:bodyPr/>
+          <a:lstStyle/>
+          <a:p>
+            <a:r>
+              <a:rPr lang="pt-BR" dirty="0"/>
+              <a:t>Aplicação</a:t>
+            </a:r>
+          </a:p>
+        </p:txBody>
+      </p:sp>
+      <p:sp>
+        <p:nvSpPr>
+          <p:cNvPr id="4" name="Espaço Reservado para Número de Slide 3"/>
+          <p:cNvSpPr>
+            <a:spLocks noGrp="1"/>
+          </p:cNvSpPr>
+          <p:nvPr>
+            <p:ph type="sldNum" sz="quarter" idx="10"/>
+          </p:nvPr>
+        </p:nvSpPr>
+        <p:spPr/>
+        <p:txBody>
+          <a:bodyPr/>
+          <a:lstStyle/>
+          <a:p>
+            <a:fld id="{AC006F96-C575-4684-8829-D49A837EA896}" type="slidenum">
+              <a:rPr lang="pt-BR" smtClean="0"/>
+              <a:t>8</a:t>
+            </a:fld>
+            <a:endParaRPr lang="pt-BR"/>
+          </a:p>
+        </p:txBody>
+      </p:sp>
+    </p:spTree>
+    <p:extLst>
+      <p:ext uri="{BB962C8B-B14F-4D97-AF65-F5344CB8AC3E}">
+        <p14:creationId xmlns:p14="http://schemas.microsoft.com/office/powerpoint/2010/main" val="3820659420"/>
+      </p:ext>
+    </p:extLst>
+  </p:cSld>
+  <p:clrMapOvr>
+    <a:masterClrMapping/>
+  </p:clrMapOvr>
+</p:notes>
+</file>
+
+<file path=ppt/notesSlides/notesSlide9.xml><?xml version="1.0" encoding="utf-8"?>
+<p:notes xmlns:a="http://schemas.openxmlformats.org/drawingml/2006/main" xmlns:r="http://schemas.openxmlformats.org/officeDocument/2006/relationships" xmlns:p="http://schemas.openxmlformats.org/presentationml/2006/main">
+  <p:cSld>
+    <p:spTree>
+      <p:nvGrpSpPr>
+        <p:cNvPr id="1" name=""/>
+        <p:cNvGrpSpPr/>
+        <p:nvPr/>
+      </p:nvGrpSpPr>
+      <p:grpSpPr>
+        <a:xfrm>
+          <a:off x="0" y="0"/>
+          <a:ext cx="0" cy="0"/>
+          <a:chOff x="0" y="0"/>
+          <a:chExt cx="0" cy="0"/>
+        </a:xfrm>
+      </p:grpSpPr>
+      <p:sp>
+        <p:nvSpPr>
+          <p:cNvPr id="2" name="Espaço Reservado para Imagem de Slide 1"/>
+          <p:cNvSpPr>
+            <a:spLocks noGrp="1" noRot="1" noChangeAspect="1"/>
+          </p:cNvSpPr>
+          <p:nvPr>
+            <p:ph type="sldImg"/>
+          </p:nvPr>
+        </p:nvSpPr>
+        <p:spPr/>
+      </p:sp>
+      <p:sp>
+        <p:nvSpPr>
+          <p:cNvPr id="3" name="Espaço Reservado para Anotações 2"/>
+          <p:cNvSpPr>
+            <a:spLocks noGrp="1"/>
+          </p:cNvSpPr>
+          <p:nvPr>
+            <p:ph type="body" idx="1"/>
+          </p:nvPr>
+        </p:nvSpPr>
+        <p:spPr/>
+        <p:txBody>
+          <a:bodyPr/>
+          <a:lstStyle/>
+          <a:p>
+            <a:r>
+              <a:rPr lang="pt-BR" dirty="0"/>
+              <a:t>Aplicação</a:t>
+            </a:r>
+          </a:p>
+        </p:txBody>
+      </p:sp>
+      <p:sp>
+        <p:nvSpPr>
+          <p:cNvPr id="4" name="Espaço Reservado para Número de Slide 3"/>
+          <p:cNvSpPr>
+            <a:spLocks noGrp="1"/>
+          </p:cNvSpPr>
+          <p:nvPr>
+            <p:ph type="sldNum" sz="quarter" idx="10"/>
+          </p:nvPr>
+        </p:nvSpPr>
+        <p:spPr/>
+        <p:txBody>
+          <a:bodyPr/>
+          <a:lstStyle/>
+          <a:p>
+            <a:fld id="{AC006F96-C575-4684-8829-D49A837EA896}" type="slidenum">
+              <a:rPr lang="pt-BR" smtClean="0"/>
+              <a:t>9</a:t>
+            </a:fld>
+            <a:endParaRPr lang="pt-BR"/>
+          </a:p>
+        </p:txBody>
+      </p:sp>
+    </p:spTree>
+    <p:extLst>
+      <p:ext uri="{BB962C8B-B14F-4D97-AF65-F5344CB8AC3E}">
+        <p14:creationId xmlns:p14="http://schemas.microsoft.com/office/powerpoint/2010/main" val="1341895338"/>
       </p:ext>
     </p:extLst>
   </p:cSld>
@@ -1017,7 +1581,7 @@
           <a:p>
             <a:fld id="{07623C2B-7C63-40F5-B68E-12BE5C54C686}" type="datetimeFigureOut">
               <a:rPr lang="pt-BR" smtClean="0"/>
-              <a:t>09/03/2017</a:t>
+              <a:t>10/03/2017</a:t>
             </a:fld>
             <a:endParaRPr lang="pt-BR"/>
           </a:p>
@@ -1185,7 +1749,7 @@
           <a:p>
             <a:fld id="{07623C2B-7C63-40F5-B68E-12BE5C54C686}" type="datetimeFigureOut">
               <a:rPr lang="pt-BR" smtClean="0"/>
-              <a:t>09/03/2017</a:t>
+              <a:t>10/03/2017</a:t>
             </a:fld>
             <a:endParaRPr lang="pt-BR"/>
           </a:p>
@@ -1363,7 +1927,7 @@
           <a:p>
             <a:fld id="{07623C2B-7C63-40F5-B68E-12BE5C54C686}" type="datetimeFigureOut">
               <a:rPr lang="pt-BR" smtClean="0"/>
-              <a:t>09/03/2017</a:t>
+              <a:t>10/03/2017</a:t>
             </a:fld>
             <a:endParaRPr lang="pt-BR"/>
           </a:p>
@@ -1531,7 +2095,7 @@
           <a:p>
             <a:fld id="{07623C2B-7C63-40F5-B68E-12BE5C54C686}" type="datetimeFigureOut">
               <a:rPr lang="pt-BR" smtClean="0"/>
-              <a:t>09/03/2017</a:t>
+              <a:t>10/03/2017</a:t>
             </a:fld>
             <a:endParaRPr lang="pt-BR"/>
           </a:p>
@@ -1776,7 +2340,7 @@
           <a:p>
             <a:fld id="{07623C2B-7C63-40F5-B68E-12BE5C54C686}" type="datetimeFigureOut">
               <a:rPr lang="pt-BR" smtClean="0"/>
-              <a:t>09/03/2017</a:t>
+              <a:t>10/03/2017</a:t>
             </a:fld>
             <a:endParaRPr lang="pt-BR"/>
           </a:p>
@@ -2005,7 +2569,7 @@
           <a:p>
             <a:fld id="{07623C2B-7C63-40F5-B68E-12BE5C54C686}" type="datetimeFigureOut">
               <a:rPr lang="pt-BR" smtClean="0"/>
-              <a:t>09/03/2017</a:t>
+              <a:t>10/03/2017</a:t>
             </a:fld>
             <a:endParaRPr lang="pt-BR"/>
           </a:p>
@@ -2369,7 +2933,7 @@
           <a:p>
             <a:fld id="{07623C2B-7C63-40F5-B68E-12BE5C54C686}" type="datetimeFigureOut">
               <a:rPr lang="pt-BR" smtClean="0"/>
-              <a:t>09/03/2017</a:t>
+              <a:t>10/03/2017</a:t>
             </a:fld>
             <a:endParaRPr lang="pt-BR"/>
           </a:p>
@@ -2486,7 +3050,7 @@
           <a:p>
             <a:fld id="{07623C2B-7C63-40F5-B68E-12BE5C54C686}" type="datetimeFigureOut">
               <a:rPr lang="pt-BR" smtClean="0"/>
-              <a:t>09/03/2017</a:t>
+              <a:t>10/03/2017</a:t>
             </a:fld>
             <a:endParaRPr lang="pt-BR"/>
           </a:p>
@@ -2581,7 +3145,7 @@
           <a:p>
             <a:fld id="{07623C2B-7C63-40F5-B68E-12BE5C54C686}" type="datetimeFigureOut">
               <a:rPr lang="pt-BR" smtClean="0"/>
-              <a:t>09/03/2017</a:t>
+              <a:t>10/03/2017</a:t>
             </a:fld>
             <a:endParaRPr lang="pt-BR"/>
           </a:p>
@@ -2856,7 +3420,7 @@
           <a:p>
             <a:fld id="{07623C2B-7C63-40F5-B68E-12BE5C54C686}" type="datetimeFigureOut">
               <a:rPr lang="pt-BR" smtClean="0"/>
-              <a:t>09/03/2017</a:t>
+              <a:t>10/03/2017</a:t>
             </a:fld>
             <a:endParaRPr lang="pt-BR"/>
           </a:p>
@@ -3108,7 +3672,7 @@
           <a:p>
             <a:fld id="{07623C2B-7C63-40F5-B68E-12BE5C54C686}" type="datetimeFigureOut">
               <a:rPr lang="pt-BR" smtClean="0"/>
-              <a:t>09/03/2017</a:t>
+              <a:t>10/03/2017</a:t>
             </a:fld>
             <a:endParaRPr lang="pt-BR"/>
           </a:p>
@@ -3351,7 +3915,7 @@
           <a:p>
             <a:fld id="{07623C2B-7C63-40F5-B68E-12BE5C54C686}" type="datetimeFigureOut">
               <a:rPr lang="pt-BR" smtClean="0"/>
-              <a:t>09/03/2017</a:t>
+              <a:t>10/03/2017</a:t>
             </a:fld>
             <a:endParaRPr lang="pt-BR"/>
           </a:p>
@@ -3970,7 +4534,7 @@
           <p:nvPr/>
         </p:nvPicPr>
         <p:blipFill>
-          <a:blip r:embed="rId2"/>
+          <a:blip r:embed="rId3"/>
           <a:stretch>
             <a:fillRect/>
           </a:stretch>
@@ -3994,7 +4558,7 @@
           <p:nvPr/>
         </p:nvPicPr>
         <p:blipFill>
-          <a:blip r:embed="rId3"/>
+          <a:blip r:embed="rId4"/>
           <a:stretch>
             <a:fillRect/>
           </a:stretch>
@@ -4983,7 +5547,7 @@
           <p:nvPr/>
         </p:nvPicPr>
         <p:blipFill>
-          <a:blip r:embed="rId2">
+          <a:blip r:embed="rId3">
             <a:extLst>
               <a:ext uri="{28A0092B-C50C-407E-A947-70E740481C1C}">
                 <a14:useLocalDpi xmlns:a14="http://schemas.microsoft.com/office/drawing/2010/main" val="0"/>
@@ -5868,6 +6432,195 @@
   <p:clrMapOvr>
     <a:masterClrMapping/>
   </p:clrMapOvr>
+  <p:timing>
+    <p:tnLst>
+      <p:par>
+        <p:cTn id="1" dur="indefinite" restart="never" nodeType="tmRoot">
+          <p:childTnLst>
+            <p:seq concurrent="1" nextAc="seek">
+              <p:cTn id="2" dur="indefinite" nodeType="mainSeq">
+                <p:childTnLst>
+                  <p:par>
+                    <p:cTn id="3" fill="hold">
+                      <p:stCondLst>
+                        <p:cond delay="indefinite"/>
+                      </p:stCondLst>
+                      <p:childTnLst>
+                        <p:par>
+                          <p:cTn id="4" fill="hold">
+                            <p:stCondLst>
+                              <p:cond delay="0"/>
+                            </p:stCondLst>
+                            <p:childTnLst>
+                              <p:par>
+                                <p:cTn id="5" presetID="10" presetClass="entr" presetSubtype="0" fill="hold" nodeType="clickEffect">
+                                  <p:stCondLst>
+                                    <p:cond delay="0"/>
+                                  </p:stCondLst>
+                                  <p:childTnLst>
+                                    <p:set>
+                                      <p:cBhvr>
+                                        <p:cTn id="6" dur="1" fill="hold">
+                                          <p:stCondLst>
+                                            <p:cond delay="0"/>
+                                          </p:stCondLst>
+                                        </p:cTn>
+                                        <p:tgtEl>
+                                          <p:spTgt spid="6"/>
+                                        </p:tgtEl>
+                                        <p:attrNameLst>
+                                          <p:attrName>style.visibility</p:attrName>
+                                        </p:attrNameLst>
+                                      </p:cBhvr>
+                                      <p:to>
+                                        <p:strVal val="visible"/>
+                                      </p:to>
+                                    </p:set>
+                                    <p:animEffect transition="in" filter="fade">
+                                      <p:cBhvr>
+                                        <p:cTn id="7" dur="500"/>
+                                        <p:tgtEl>
+                                          <p:spTgt spid="6"/>
+                                        </p:tgtEl>
+                                      </p:cBhvr>
+                                    </p:animEffect>
+                                  </p:childTnLst>
+                                </p:cTn>
+                              </p:par>
+                            </p:childTnLst>
+                          </p:cTn>
+                        </p:par>
+                      </p:childTnLst>
+                    </p:cTn>
+                  </p:par>
+                  <p:par>
+                    <p:cTn id="8" fill="hold">
+                      <p:stCondLst>
+                        <p:cond delay="indefinite"/>
+                      </p:stCondLst>
+                      <p:childTnLst>
+                        <p:par>
+                          <p:cTn id="9" fill="hold">
+                            <p:stCondLst>
+                              <p:cond delay="0"/>
+                            </p:stCondLst>
+                            <p:childTnLst>
+                              <p:par>
+                                <p:cTn id="10" presetID="10" presetClass="entr" presetSubtype="0" fill="hold" nodeType="clickEffect">
+                                  <p:stCondLst>
+                                    <p:cond delay="0"/>
+                                  </p:stCondLst>
+                                  <p:childTnLst>
+                                    <p:set>
+                                      <p:cBhvr>
+                                        <p:cTn id="11" dur="1" fill="hold">
+                                          <p:stCondLst>
+                                            <p:cond delay="0"/>
+                                          </p:stCondLst>
+                                        </p:cTn>
+                                        <p:tgtEl>
+                                          <p:spTgt spid="4"/>
+                                        </p:tgtEl>
+                                        <p:attrNameLst>
+                                          <p:attrName>style.visibility</p:attrName>
+                                        </p:attrNameLst>
+                                      </p:cBhvr>
+                                      <p:to>
+                                        <p:strVal val="visible"/>
+                                      </p:to>
+                                    </p:set>
+                                    <p:animEffect transition="in" filter="fade">
+                                      <p:cBhvr>
+                                        <p:cTn id="12" dur="500"/>
+                                        <p:tgtEl>
+                                          <p:spTgt spid="4"/>
+                                        </p:tgtEl>
+                                      </p:cBhvr>
+                                    </p:animEffect>
+                                  </p:childTnLst>
+                                </p:cTn>
+                              </p:par>
+                            </p:childTnLst>
+                          </p:cTn>
+                        </p:par>
+                      </p:childTnLst>
+                    </p:cTn>
+                  </p:par>
+                  <p:par>
+                    <p:cTn id="13" fill="hold">
+                      <p:stCondLst>
+                        <p:cond delay="indefinite"/>
+                      </p:stCondLst>
+                      <p:childTnLst>
+                        <p:par>
+                          <p:cTn id="14" fill="hold">
+                            <p:stCondLst>
+                              <p:cond delay="0"/>
+                            </p:stCondLst>
+                            <p:childTnLst>
+                              <p:par>
+                                <p:cTn id="15" presetID="10" presetClass="entr" presetSubtype="0" fill="hold" nodeType="clickEffect">
+                                  <p:stCondLst>
+                                    <p:cond delay="0"/>
+                                  </p:stCondLst>
+                                  <p:childTnLst>
+                                    <p:set>
+                                      <p:cBhvr>
+                                        <p:cTn id="16" dur="1" fill="hold">
+                                          <p:stCondLst>
+                                            <p:cond delay="0"/>
+                                          </p:stCondLst>
+                                        </p:cTn>
+                                        <p:tgtEl>
+                                          <p:spTgt spid="5"/>
+                                        </p:tgtEl>
+                                        <p:attrNameLst>
+                                          <p:attrName>style.visibility</p:attrName>
+                                        </p:attrNameLst>
+                                      </p:cBhvr>
+                                      <p:to>
+                                        <p:strVal val="visible"/>
+                                      </p:to>
+                                    </p:set>
+                                    <p:animEffect transition="in" filter="fade">
+                                      <p:cBhvr>
+                                        <p:cTn id="17" dur="500"/>
+                                        <p:tgtEl>
+                                          <p:spTgt spid="5"/>
+                                        </p:tgtEl>
+                                      </p:cBhvr>
+                                    </p:animEffect>
+                                  </p:childTnLst>
+                                </p:cTn>
+                              </p:par>
+                            </p:childTnLst>
+                          </p:cTn>
+                        </p:par>
+                      </p:childTnLst>
+                    </p:cTn>
+                  </p:par>
+                </p:childTnLst>
+              </p:cTn>
+              <p:prevCondLst>
+                <p:cond evt="onPrev" delay="0">
+                  <p:tgtEl>
+                    <p:sldTgt/>
+                  </p:tgtEl>
+                </p:cond>
+              </p:prevCondLst>
+              <p:nextCondLst>
+                <p:cond evt="onNext" delay="0">
+                  <p:tgtEl>
+                    <p:sldTgt/>
+                  </p:tgtEl>
+                </p:cond>
+              </p:nextCondLst>
+            </p:seq>
+          </p:childTnLst>
+        </p:cTn>
+      </p:par>
+    </p:tnLst>
+  </p:timing>
 </p:sld>
 </file>
 
@@ -5961,7 +6714,7 @@
           <p:nvPr/>
         </p:nvPicPr>
         <p:blipFill>
-          <a:blip r:embed="rId2"/>
+          <a:blip r:embed="rId3"/>
           <a:stretch>
             <a:fillRect/>
           </a:stretch>
@@ -5985,7 +6738,7 @@
           <p:nvPr/>
         </p:nvPicPr>
         <p:blipFill>
-          <a:blip r:embed="rId3"/>
+          <a:blip r:embed="rId4"/>
           <a:stretch>
             <a:fillRect/>
           </a:stretch>
@@ -6142,7 +6895,7 @@
           <p:nvPr/>
         </p:nvPicPr>
         <p:blipFill>
-          <a:blip r:embed="rId2"/>
+          <a:blip r:embed="rId3"/>
           <a:stretch>
             <a:fillRect/>
           </a:stretch>
@@ -6245,7 +6998,7 @@
           <p:nvPr/>
         </p:nvPicPr>
         <p:blipFill>
-          <a:blip r:embed="rId2">
+          <a:blip r:embed="rId3">
             <a:extLst>
               <a:ext uri="{28A0092B-C50C-407E-A947-70E740481C1C}">
                 <a14:useLocalDpi xmlns:a14="http://schemas.microsoft.com/office/drawing/2010/main" val="0"/>
@@ -6294,7 +7047,7 @@
           <p:nvPr/>
         </p:nvPicPr>
         <p:blipFill>
-          <a:blip r:embed="rId3"/>
+          <a:blip r:embed="rId4"/>
           <a:stretch>
             <a:fillRect/>
           </a:stretch>

--- a/Paradigma Lógico Apresentação.pptx
+++ b/Paradigma Lógico Apresentação.pptx
@@ -6139,7 +6139,7 @@
           <p:nvPr>
             <p:extLst>
               <p:ext uri="{D42A27DB-BD31-4B8C-83A1-F6EECF244321}">
-                <p14:modId xmlns:p14="http://schemas.microsoft.com/office/powerpoint/2010/main" val="1519130494"/>
+                <p14:modId xmlns:p14="http://schemas.microsoft.com/office/powerpoint/2010/main" val="2998941706"/>
               </p:ext>
             </p:extLst>
           </p:nvPr>
@@ -6348,7 +6348,7 @@
                       <a:pPr algn="ctr"/>
                       <a:r>
                         <a:rPr lang="pt-BR" dirty="0" err="1"/>
-                        <a:t>Cc</a:t>
+                        <a:t>cc</a:t>
                       </a:r>
                       <a:endParaRPr lang="pt-BR" dirty="0"/>
                     </a:p>

--- a/Paradigma Lógico Apresentação.pptx
+++ b/Paradigma Lógico Apresentação.pptx
@@ -5693,10 +5693,9 @@
                     <a:p>
                       <a:pPr algn="ctr"/>
                       <a:r>
-                        <a:rPr lang="pt-BR" dirty="0" err="1"/>
+                        <a:rPr lang="pt-BR" dirty="0"/>
                         <a:t>aabb</a:t>
                       </a:r>
-                      <a:endParaRPr lang="pt-BR" dirty="0"/>
                     </a:p>
                   </a:txBody>
                   <a:tcPr/>
@@ -5729,12 +5728,8 @@
                     <a:p>
                       <a:pPr algn="ctr"/>
                       <a:r>
-                        <a:rPr lang="pt-BR" dirty="0" err="1"/>
-                        <a:t>Aabb</a:t>
-                      </a:r>
-                      <a:r>
                         <a:rPr lang="pt-BR" dirty="0"/>
-                        <a:t> ou </a:t>
+                        <a:t>Aabb ou </a:t>
                       </a:r>
                       <a:r>
                         <a:rPr lang="pt-BR" dirty="0" err="1"/>
@@ -5909,7 +5904,7 @@
           <p:nvPr>
             <p:extLst>
               <p:ext uri="{D42A27DB-BD31-4B8C-83A1-F6EECF244321}">
-                <p14:modId xmlns:p14="http://schemas.microsoft.com/office/powerpoint/2010/main" val="2231684137"/>
+                <p14:modId xmlns:p14="http://schemas.microsoft.com/office/powerpoint/2010/main" val="2475933853"/>
               </p:ext>
             </p:extLst>
           </p:nvPr>
@@ -5984,13 +5979,8 @@
                       <a:pPr algn="ctr"/>
                       <a:r>
                         <a:rPr lang="pt-BR" dirty="0"/>
-                        <a:t>IAIA ou </a:t>
+                        <a:t>IAIA ou IAii</a:t>
                       </a:r>
-                      <a:r>
-                        <a:rPr lang="pt-BR" dirty="0" err="1"/>
-                        <a:t>Iaii</a:t>
-                      </a:r>
-                      <a:endParaRPr lang="pt-BR" dirty="0"/>
                     </a:p>
                   </a:txBody>
                   <a:tcPr/>
@@ -6024,13 +6014,8 @@
                       <a:pPr algn="ctr"/>
                       <a:r>
                         <a:rPr lang="pt-BR" dirty="0"/>
-                        <a:t>IBIB ou </a:t>
+                        <a:t>IBIB ou IBii</a:t>
                       </a:r>
-                      <a:r>
-                        <a:rPr lang="pt-BR" dirty="0" err="1"/>
-                        <a:t>Ibii</a:t>
-                      </a:r>
-                      <a:endParaRPr lang="pt-BR" dirty="0"/>
                     </a:p>
                   </a:txBody>
                   <a:tcPr/>
@@ -6297,10 +6282,9 @@
                     <a:p>
                       <a:pPr algn="ctr"/>
                       <a:r>
-                        <a:rPr lang="pt-BR" dirty="0" err="1"/>
+                        <a:rPr lang="pt-BR" dirty="0"/>
                         <a:t>Cc</a:t>
                       </a:r>
-                      <a:endParaRPr lang="pt-BR" dirty="0"/>
                     </a:p>
                   </a:txBody>
                   <a:tcPr/>
@@ -6347,10 +6331,9 @@
                     <a:p>
                       <a:pPr algn="ctr"/>
                       <a:r>
-                        <a:rPr lang="pt-BR" dirty="0" err="1"/>
+                        <a:rPr lang="pt-BR" dirty="0"/>
                         <a:t>cc</a:t>
                       </a:r>
-                      <a:endParaRPr lang="pt-BR" dirty="0"/>
                     </a:p>
                   </a:txBody>
                   <a:tcPr/>
